--- a/presentations/OpenShift/OpenShift_ACB_Presentation-2015.pptx
+++ b/presentations/OpenShift/OpenShift_ACB_Presentation-2015.pptx
@@ -206,7 +206,7 @@
           <a:p>
             <a:fld id="{2B9CE4E9-BE21-4E98-8544-97419789DB11}" type="datetimeFigureOut">
               <a:rPr lang="en-US" smtClean="0"/>
-              <a:t>7/16/15</a:t>
+              <a:t>8/2/15</a:t>
             </a:fld>
             <a:endParaRPr lang="en-US"/>
           </a:p>
@@ -371,7 +371,7 @@
           <a:p>
             <a:fld id="{FB397A7E-2907-4785-9DE4-9BC6001D569E}" type="datetimeFigureOut">
               <a:rPr lang="en-US" smtClean="0"/>
-              <a:t>7/16/15</a:t>
+              <a:t>8/2/15</a:t>
             </a:fld>
             <a:endParaRPr lang="en-US"/>
           </a:p>
@@ -1822,8 +1822,13 @@
             </a:r>
             <a:r>
               <a:rPr lang="en-US" dirty="0" smtClean="0"/>
-              <a:t> using web console, Eclipse IDE or command line interface</a:t>
-            </a:r>
+              <a:t> using web </a:t>
+            </a:r>
+            <a:r>
+              <a:rPr lang="en-US" dirty="0" smtClean="0"/>
+              <a:t>console</a:t>
+            </a:r>
+            <a:endParaRPr lang="en-US" dirty="0" smtClean="0"/>
           </a:p>
           <a:p>
             <a:r>
@@ -1834,7 +1839,7 @@
           <a:p>
             <a:r>
               <a:rPr lang="en-US" dirty="0" smtClean="0"/>
-              <a:t>Write code and push to </a:t>
+              <a:t>Deploy sample application to EAP running in </a:t>
             </a:r>
             <a:r>
               <a:rPr lang="en-US" dirty="0" err="1" smtClean="0"/>
@@ -1842,13 +1847,8 @@
             </a:r>
             <a:r>
               <a:rPr lang="en-US" dirty="0" smtClean="0"/>
-              <a:t> with </a:t>
-            </a:r>
-            <a:r>
-              <a:rPr lang="en-US" dirty="0" err="1" smtClean="0"/>
-              <a:t>Git</a:t>
-            </a:r>
-            <a:endParaRPr lang="en-US" dirty="0" smtClean="0"/>
+              <a:t> using CLI</a:t>
+            </a:r>
           </a:p>
         </p:txBody>
       </p:sp>
@@ -1867,6 +1867,14 @@
           <a:bodyPr/>
           <a:lstStyle/>
           <a:p>
+            <a:r>
+              <a:rPr lang="en-US" dirty="0"/>
+              <a:t>August 3, </a:t>
+            </a:r>
+            <a:r>
+              <a:rPr lang="en-US" dirty="0" smtClean="0"/>
+              <a:t>2015</a:t>
+            </a:r>
             <a:endParaRPr lang="en-US" dirty="0"/>
           </a:p>
         </p:txBody>
@@ -2024,11 +2032,7 @@
           <a:p>
             <a:r>
               <a:rPr lang="en-US" dirty="0" smtClean="0"/>
-              <a:t>Red </a:t>
-            </a:r>
-            <a:r>
-              <a:rPr lang="en-US" dirty="0" smtClean="0"/>
-              <a:t>Hat </a:t>
+              <a:t>Red Hat </a:t>
             </a:r>
             <a:r>
               <a:rPr lang="en-US" dirty="0" err="1" smtClean="0"/>
@@ -2065,11 +2069,7 @@
             </a:r>
             <a:r>
               <a:rPr lang="en-US" dirty="0" smtClean="0"/>
-              <a:t> </a:t>
-            </a:r>
-            <a:r>
-              <a:rPr lang="en-US" dirty="0" smtClean="0"/>
-              <a:t>Online Documentation</a:t>
+              <a:t> Online Documentation</a:t>
             </a:r>
           </a:p>
           <a:p>
@@ -2337,6 +2337,14 @@
           <a:bodyPr/>
           <a:lstStyle/>
           <a:p>
+            <a:r>
+              <a:rPr lang="en-US" dirty="0"/>
+              <a:t>August 3, </a:t>
+            </a:r>
+            <a:r>
+              <a:rPr lang="en-US" dirty="0" smtClean="0"/>
+              <a:t>2015</a:t>
+            </a:r>
             <a:endParaRPr lang="en-US" dirty="0"/>
           </a:p>
         </p:txBody>
@@ -2526,7 +2534,6 @@
               <a:rPr lang="en-US" dirty="0" smtClean="0"/>
               <a:t> work?</a:t>
             </a:r>
-            <a:endParaRPr lang="en-US" dirty="0" smtClean="0"/>
           </a:p>
           <a:p>
             <a:r>
@@ -2738,6 +2745,14 @@
           <a:bodyPr/>
           <a:lstStyle/>
           <a:p>
+            <a:r>
+              <a:rPr lang="en-US" dirty="0"/>
+              <a:t>August 3, </a:t>
+            </a:r>
+            <a:r>
+              <a:rPr lang="en-US" dirty="0" smtClean="0"/>
+              <a:t>2015</a:t>
+            </a:r>
             <a:endParaRPr lang="en-US" dirty="0"/>
           </a:p>
         </p:txBody>
@@ -2868,6 +2883,14 @@
           <a:bodyPr/>
           <a:lstStyle/>
           <a:p>
+            <a:r>
+              <a:rPr lang="en-US" dirty="0"/>
+              <a:t>August 3, </a:t>
+            </a:r>
+            <a:r>
+              <a:rPr lang="en-US" dirty="0" smtClean="0"/>
+              <a:t>2015</a:t>
+            </a:r>
             <a:endParaRPr lang="en-US" dirty="0"/>
           </a:p>
         </p:txBody>
@@ -2998,6 +3021,14 @@
           <a:bodyPr/>
           <a:lstStyle/>
           <a:p>
+            <a:r>
+              <a:rPr lang="en-US" dirty="0"/>
+              <a:t>August 3, </a:t>
+            </a:r>
+            <a:r>
+              <a:rPr lang="en-US" dirty="0" smtClean="0"/>
+              <a:t>2015</a:t>
+            </a:r>
             <a:endParaRPr lang="en-US" dirty="0"/>
           </a:p>
         </p:txBody>
@@ -3184,6 +3215,14 @@
           <a:bodyPr/>
           <a:lstStyle/>
           <a:p>
+            <a:r>
+              <a:rPr lang="en-US" dirty="0"/>
+              <a:t>August 3, </a:t>
+            </a:r>
+            <a:r>
+              <a:rPr lang="en-US" dirty="0" smtClean="0"/>
+              <a:t>2015</a:t>
+            </a:r>
             <a:endParaRPr lang="en-US" dirty="0"/>
           </a:p>
         </p:txBody>
@@ -3323,7 +3362,11 @@
             <a:pPr lvl="1"/>
             <a:r>
               <a:rPr lang="en-US" dirty="0" smtClean="0"/>
-              <a:t>Platform as a Service allows push-button environment creation in minutes for Developers, while enforcing consistency and scalability of environments for Operations</a:t>
+              <a:t>Platform as a Service allows push-button environment creation in minutes for Developers, while enforcing consistency and scalability of environments for </a:t>
+            </a:r>
+            <a:r>
+              <a:rPr lang="en-US" dirty="0" smtClean="0"/>
+              <a:t>Operations</a:t>
             </a:r>
             <a:endParaRPr lang="en-US" dirty="0"/>
           </a:p>
@@ -3344,6 +3387,14 @@
           <a:bodyPr/>
           <a:lstStyle/>
           <a:p>
+            <a:r>
+              <a:rPr lang="en-US" dirty="0"/>
+              <a:t>August 3, </a:t>
+            </a:r>
+            <a:r>
+              <a:rPr lang="en-US" dirty="0" smtClean="0"/>
+              <a:t>2015</a:t>
+            </a:r>
             <a:endParaRPr lang="en-US" dirty="0"/>
           </a:p>
         </p:txBody>
@@ -3467,7 +3518,15 @@
             </a:r>
             <a:r>
               <a:rPr lang="en-US" dirty="0" smtClean="0"/>
-              <a:t>management engine, responsible for coordinating orchestration of nodes</a:t>
+              <a:t>management engine, responsible for </a:t>
+            </a:r>
+            <a:r>
+              <a:rPr lang="en-US" dirty="0" smtClean="0"/>
+              <a:t>orchestration </a:t>
+            </a:r>
+            <a:r>
+              <a:rPr lang="en-US" dirty="0" smtClean="0"/>
+              <a:t>of nodes</a:t>
             </a:r>
           </a:p>
           <a:p>
@@ -3481,8 +3540,13 @@
             </a:r>
             <a:r>
               <a:rPr lang="en-US" dirty="0" smtClean="0"/>
-              <a:t>multi-tenant hosts where developer applications live</a:t>
-            </a:r>
+              <a:t>multi-tenant hosts where developer applications </a:t>
+            </a:r>
+            <a:r>
+              <a:rPr lang="en-US" dirty="0" smtClean="0"/>
+              <a:t>live inside gears</a:t>
+            </a:r>
+            <a:endParaRPr lang="en-US" dirty="0" smtClean="0"/>
           </a:p>
           <a:p>
             <a:r>
@@ -3495,8 +3559,13 @@
             </a:r>
             <a:r>
               <a:rPr lang="en-US" dirty="0" smtClean="0"/>
-              <a:t>secure containers where applications run within nodes</a:t>
-            </a:r>
+              <a:t>secure containers where applications run within </a:t>
+            </a:r>
+            <a:r>
+              <a:rPr lang="en-US" dirty="0" smtClean="0"/>
+              <a:t>nodes. Gears use cartridges to run application code.</a:t>
+            </a:r>
+            <a:endParaRPr lang="en-US" dirty="0" smtClean="0"/>
           </a:p>
           <a:p>
             <a:r>
@@ -3517,8 +3586,13 @@
             </a:r>
             <a:r>
               <a:rPr lang="en-US" dirty="0" smtClean="0"/>
-              <a:t> application</a:t>
-            </a:r>
+              <a:t> </a:t>
+            </a:r>
+            <a:r>
+              <a:rPr lang="en-US" dirty="0" smtClean="0"/>
+              <a:t>application’s gear</a:t>
+            </a:r>
+            <a:endParaRPr lang="en-US" dirty="0" smtClean="0"/>
           </a:p>
           <a:p>
             <a:pPr lvl="1"/>
@@ -3595,6 +3669,14 @@
           <a:bodyPr/>
           <a:lstStyle/>
           <a:p>
+            <a:r>
+              <a:rPr lang="en-US" dirty="0"/>
+              <a:t>August 3, </a:t>
+            </a:r>
+            <a:r>
+              <a:rPr lang="en-US" dirty="0" smtClean="0"/>
+              <a:t>2015</a:t>
+            </a:r>
             <a:endParaRPr lang="en-US" dirty="0"/>
           </a:p>
         </p:txBody>
@@ -3718,6 +3800,14 @@
           <a:bodyPr/>
           <a:lstStyle/>
           <a:p>
+            <a:r>
+              <a:rPr lang="en-US" dirty="0"/>
+              <a:t>August 3, </a:t>
+            </a:r>
+            <a:r>
+              <a:rPr lang="en-US" dirty="0" smtClean="0"/>
+              <a:t>2015</a:t>
+            </a:r>
             <a:endParaRPr lang="en-US" dirty="0"/>
           </a:p>
         </p:txBody>
